--- a/PLPTH813Bioinformatis/2025/1_lecture/lecture08_NCBItools.pptx
+++ b/PLPTH813Bioinformatis/2025/1_lecture/lecture08_NCBItools.pptx
@@ -11801,7 +11801,12 @@
             <p:ph type="subTitle" idx="1"/>
           </p:nvPr>
         </p:nvSpPr>
-        <p:spPr/>
+        <p:spPr>
+          <a:xfrm>
+            <a:off x="1524000" y="3480657"/>
+            <a:ext cx="9144000" cy="2491265"/>
+          </a:xfrm>
+        </p:spPr>
         <p:txBody>
           <a:bodyPr>
             <a:noAutofit/>
@@ -11821,6 +11826,15 @@
               <a:latin typeface="Calibri" panose="020F0502020204030204" pitchFamily="34" charset="0"/>
               <a:cs typeface="Calibri" panose="020F0502020204030204" pitchFamily="34" charset="0"/>
             </a:endParaRPr>
+          </a:p>
+          <a:p>
+            <a:r>
+              <a:rPr lang="en-US" sz="3200" dirty="0">
+                <a:latin typeface="Calibri" panose="020F0502020204030204" pitchFamily="34" charset="0"/>
+                <a:cs typeface="Calibri" panose="020F0502020204030204" pitchFamily="34" charset="0"/>
+              </a:rPr>
+              <a:t>PLPTH813</a:t>
+            </a:r>
           </a:p>
           <a:p>
             <a:r>
@@ -23191,7 +23205,7 @@
                 <a:latin typeface="Calibri" panose="020F0502020204030204" pitchFamily="34" charset="0"/>
                 <a:cs typeface="Calibri" panose="020F0502020204030204" pitchFamily="34" charset="0"/>
               </a:rPr>
-              <a:t>Dataset: to download sequences of genomes, proteins, and genes.</a:t>
+              <a:t>Datasets: to download sequences of genomes, proteins, and genes.</a:t>
             </a:r>
           </a:p>
           <a:p>
@@ -23201,14 +23215,24 @@
               </a:lnSpc>
             </a:pPr>
             <a:r>
-              <a:rPr lang="en-US" dirty="0">
+              <a:rPr lang="en-US" dirty="0" err="1">
                 <a:solidFill>
                   <a:srgbClr val="000000"/>
                 </a:solidFill>
                 <a:latin typeface="Calibri" panose="020F0502020204030204" pitchFamily="34" charset="0"/>
                 <a:cs typeface="Calibri" panose="020F0502020204030204" pitchFamily="34" charset="0"/>
               </a:rPr>
-              <a:t>faster-dump: to download publicly available read data</a:t>
+              <a:t>fasterq</a:t>
+            </a:r>
+            <a:r>
+              <a:rPr lang="en-US" dirty="0">
+                <a:solidFill>
+                  <a:srgbClr val="000000"/>
+                </a:solidFill>
+                <a:latin typeface="Calibri" panose="020F0502020204030204" pitchFamily="34" charset="0"/>
+                <a:cs typeface="Calibri" panose="020F0502020204030204" pitchFamily="34" charset="0"/>
+              </a:rPr>
+              <a:t>-dump: to download publicly available read data</a:t>
             </a:r>
             <a:endParaRPr lang="en-US" dirty="0">
               <a:latin typeface="Calibri" panose="020F0502020204030204" pitchFamily="34" charset="0"/>

--- a/PLPTH813Bioinformatis/2025/1_lecture/lecture08_NCBItools.pptx
+++ b/PLPTH813Bioinformatis/2025/1_lecture/lecture08_NCBItools.pptx
@@ -231,7 +231,7 @@
           <a:p>
             <a:fld id="{58883D7F-0C77-3940-83B9-C780230A70C0}" type="datetimeFigureOut">
               <a:rPr lang="en-US" smtClean="0"/>
-              <a:t>2/18/25</a:t>
+              <a:t>2/20/25</a:t>
             </a:fld>
             <a:endParaRPr lang="en-US"/>
           </a:p>
@@ -8650,7 +8650,7 @@
           <a:p>
             <a:fld id="{D1684310-64D6-BC4F-95ED-34FB0A6A8E9B}" type="datetime1">
               <a:rPr lang="en-US" smtClean="0"/>
-              <a:t>2/18/25</a:t>
+              <a:t>2/20/25</a:t>
             </a:fld>
             <a:endParaRPr lang="en-US"/>
           </a:p>
@@ -8848,7 +8848,7 @@
           <a:p>
             <a:fld id="{4A79E272-0D01-104C-9006-8BE659B621D8}" type="datetime1">
               <a:rPr lang="en-US" smtClean="0"/>
-              <a:t>2/18/25</a:t>
+              <a:t>2/20/25</a:t>
             </a:fld>
             <a:endParaRPr lang="en-US"/>
           </a:p>
@@ -9056,7 +9056,7 @@
           <a:p>
             <a:fld id="{951F95FF-69B7-F941-B135-20787339849A}" type="datetime1">
               <a:rPr lang="en-US" smtClean="0"/>
-              <a:t>2/18/25</a:t>
+              <a:t>2/20/25</a:t>
             </a:fld>
             <a:endParaRPr lang="en-US"/>
           </a:p>
@@ -9254,7 +9254,7 @@
           <a:p>
             <a:fld id="{CCF5E1D7-41E3-FE45-9087-033499FB955B}" type="datetime1">
               <a:rPr lang="en-US" smtClean="0"/>
-              <a:t>2/18/25</a:t>
+              <a:t>2/20/25</a:t>
             </a:fld>
             <a:endParaRPr lang="en-US"/>
           </a:p>
@@ -9529,7 +9529,7 @@
           <a:p>
             <a:fld id="{C75C17B6-D3C2-9A40-A457-68591DFDA3E3}" type="datetime1">
               <a:rPr lang="en-US" smtClean="0"/>
-              <a:t>2/18/25</a:t>
+              <a:t>2/20/25</a:t>
             </a:fld>
             <a:endParaRPr lang="en-US"/>
           </a:p>
@@ -9794,7 +9794,7 @@
           <a:p>
             <a:fld id="{E87EFFDC-421B-634C-A4F8-2A7FAE1E10F8}" type="datetime1">
               <a:rPr lang="en-US" smtClean="0"/>
-              <a:t>2/18/25</a:t>
+              <a:t>2/20/25</a:t>
             </a:fld>
             <a:endParaRPr lang="en-US"/>
           </a:p>
@@ -10206,7 +10206,7 @@
           <a:p>
             <a:fld id="{47A21D92-DDEC-564C-B1EC-391FEFA4806E}" type="datetime1">
               <a:rPr lang="en-US" smtClean="0"/>
-              <a:t>2/18/25</a:t>
+              <a:t>2/20/25</a:t>
             </a:fld>
             <a:endParaRPr lang="en-US"/>
           </a:p>
@@ -10347,7 +10347,7 @@
           <a:p>
             <a:fld id="{1634B748-CFE1-8F4D-A594-2B60435B6B35}" type="datetime1">
               <a:rPr lang="en-US" smtClean="0"/>
-              <a:t>2/18/25</a:t>
+              <a:t>2/20/25</a:t>
             </a:fld>
             <a:endParaRPr lang="en-US"/>
           </a:p>
@@ -10460,7 +10460,7 @@
           <a:p>
             <a:fld id="{53FEB5D6-5FB7-E64E-8549-33354E712D55}" type="datetime1">
               <a:rPr lang="en-US" smtClean="0"/>
-              <a:t>2/18/25</a:t>
+              <a:t>2/20/25</a:t>
             </a:fld>
             <a:endParaRPr lang="en-US"/>
           </a:p>
@@ -10771,7 +10771,7 @@
           <a:p>
             <a:fld id="{44BFD535-E899-E242-B9D0-CC0B35332420}" type="datetime1">
               <a:rPr lang="en-US" smtClean="0"/>
-              <a:t>2/18/25</a:t>
+              <a:t>2/20/25</a:t>
             </a:fld>
             <a:endParaRPr lang="en-US"/>
           </a:p>
@@ -11059,7 +11059,7 @@
           <a:p>
             <a:fld id="{1000EEFE-761D-7849-97C8-2D9D955A0F49}" type="datetime1">
               <a:rPr lang="en-US" smtClean="0"/>
-              <a:t>2/18/25</a:t>
+              <a:t>2/20/25</a:t>
             </a:fld>
             <a:endParaRPr lang="en-US"/>
           </a:p>
@@ -11300,7 +11300,7 @@
           <a:p>
             <a:fld id="{DEAEB71F-7597-0549-9530-74E9D41169B8}" type="datetime1">
               <a:rPr lang="en-US" smtClean="0"/>
-              <a:t>2/18/25</a:t>
+              <a:t>2/20/25</a:t>
             </a:fld>
             <a:endParaRPr lang="en-US"/>
           </a:p>
@@ -13088,8 +13088,7 @@
               <a:buNone/>
             </a:pPr>
             <a:r>
-              <a:rPr lang="en-US" sz="1600" dirty="0">
-                <a:effectLst/>
+              <a:rPr lang="en-US" sz="2400" dirty="0">
                 <a:latin typeface="Calibri Light" panose="020F0302020204030204" pitchFamily="34" charset="0"/>
                 <a:cs typeface="Calibri Light" panose="020F0302020204030204" pitchFamily="34" charset="0"/>
               </a:rPr>
@@ -13101,12 +13100,25 @@
               <a:buNone/>
             </a:pPr>
             <a:r>
-              <a:rPr lang="en-US" sz="1600" dirty="0">
-                <a:effectLst/>
+              <a:rPr lang="en-US" sz="2400" dirty="0">
                 <a:latin typeface="Calibri Light" panose="020F0302020204030204" pitchFamily="34" charset="0"/>
                 <a:cs typeface="Calibri Light" panose="020F0302020204030204" pitchFamily="34" charset="0"/>
               </a:rPr>
-              <a:t>  &lt;Db&gt;protein&lt;/Db&gt;</a:t>
+              <a:t>  &lt;Db&gt;</a:t>
+            </a:r>
+            <a:r>
+              <a:rPr lang="en-US" sz="2400" dirty="0" err="1">
+                <a:latin typeface="Calibri Light" panose="020F0302020204030204" pitchFamily="34" charset="0"/>
+                <a:cs typeface="Calibri Light" panose="020F0302020204030204" pitchFamily="34" charset="0"/>
+              </a:rPr>
+              <a:t>pubmed</a:t>
+            </a:r>
+            <a:r>
+              <a:rPr lang="en-US" sz="2400" dirty="0">
+                <a:latin typeface="Calibri Light" panose="020F0302020204030204" pitchFamily="34" charset="0"/>
+                <a:cs typeface="Calibri Light" panose="020F0302020204030204" pitchFamily="34" charset="0"/>
+              </a:rPr>
+              <a:t>&lt;/Db&gt;</a:t>
             </a:r>
           </a:p>
           <a:p>
@@ -13114,101 +13126,10 @@
               <a:buNone/>
             </a:pPr>
             <a:r>
-              <a:rPr lang="en-US" sz="1600" dirty="0">
-                <a:effectLst/>
+              <a:rPr lang="en-US" sz="2400" dirty="0">
                 <a:latin typeface="Calibri Light" panose="020F0302020204030204" pitchFamily="34" charset="0"/>
                 <a:cs typeface="Calibri Light" panose="020F0302020204030204" pitchFamily="34" charset="0"/>
               </a:rPr>
-              <a:t>  &lt;</a:t>
-            </a:r>
-            <a:r>
-              <a:rPr lang="en-US" sz="1600" dirty="0" err="1">
-                <a:effectLst/>
-                <a:latin typeface="Calibri Light" panose="020F0302020204030204" pitchFamily="34" charset="0"/>
-                <a:cs typeface="Calibri Light" panose="020F0302020204030204" pitchFamily="34" charset="0"/>
-              </a:rPr>
-              <a:t>WebEnv</a:t>
-            </a:r>
-            <a:r>
-              <a:rPr lang="en-US" sz="1600" dirty="0">
-                <a:effectLst/>
-                <a:latin typeface="Calibri Light" panose="020F0302020204030204" pitchFamily="34" charset="0"/>
-                <a:cs typeface="Calibri Light" panose="020F0302020204030204" pitchFamily="34" charset="0"/>
-              </a:rPr>
-              <a:t>&gt;MCID_67707f33de35c4ab830ac868&lt;/</a:t>
-            </a:r>
-            <a:r>
-              <a:rPr lang="en-US" sz="1600" dirty="0" err="1">
-                <a:effectLst/>
-                <a:latin typeface="Calibri Light" panose="020F0302020204030204" pitchFamily="34" charset="0"/>
-                <a:cs typeface="Calibri Light" panose="020F0302020204030204" pitchFamily="34" charset="0"/>
-              </a:rPr>
-              <a:t>WebEnv</a:t>
-            </a:r>
-            <a:r>
-              <a:rPr lang="en-US" sz="1600" dirty="0">
-                <a:effectLst/>
-                <a:latin typeface="Calibri Light" panose="020F0302020204030204" pitchFamily="34" charset="0"/>
-                <a:cs typeface="Calibri Light" panose="020F0302020204030204" pitchFamily="34" charset="0"/>
-              </a:rPr>
-              <a:t>&gt;</a:t>
-            </a:r>
-          </a:p>
-          <a:p>
-            <a:pPr marL="0" indent="0">
-              <a:buNone/>
-            </a:pPr>
-            <a:r>
-              <a:rPr lang="en-US" sz="1600" dirty="0">
-                <a:effectLst/>
-                <a:latin typeface="Calibri Light" panose="020F0302020204030204" pitchFamily="34" charset="0"/>
-                <a:cs typeface="Calibri Light" panose="020F0302020204030204" pitchFamily="34" charset="0"/>
-              </a:rPr>
-              <a:t>  &lt;</a:t>
-            </a:r>
-            <a:r>
-              <a:rPr lang="en-US" sz="1600" dirty="0" err="1">
-                <a:effectLst/>
-                <a:latin typeface="Calibri Light" panose="020F0302020204030204" pitchFamily="34" charset="0"/>
-                <a:cs typeface="Calibri Light" panose="020F0302020204030204" pitchFamily="34" charset="0"/>
-              </a:rPr>
-              <a:t>QueryKey</a:t>
-            </a:r>
-            <a:r>
-              <a:rPr lang="en-US" sz="1600" dirty="0">
-                <a:effectLst/>
-                <a:latin typeface="Calibri Light" panose="020F0302020204030204" pitchFamily="34" charset="0"/>
-                <a:cs typeface="Calibri Light" panose="020F0302020204030204" pitchFamily="34" charset="0"/>
-              </a:rPr>
-              <a:t>&gt;1&lt;/</a:t>
-            </a:r>
-            <a:r>
-              <a:rPr lang="en-US" sz="1600" dirty="0" err="1">
-                <a:effectLst/>
-                <a:latin typeface="Calibri Light" panose="020F0302020204030204" pitchFamily="34" charset="0"/>
-                <a:cs typeface="Calibri Light" panose="020F0302020204030204" pitchFamily="34" charset="0"/>
-              </a:rPr>
-              <a:t>QueryKey</a:t>
-            </a:r>
-            <a:r>
-              <a:rPr lang="en-US" sz="1600" dirty="0">
-                <a:effectLst/>
-                <a:latin typeface="Calibri Light" panose="020F0302020204030204" pitchFamily="34" charset="0"/>
-                <a:cs typeface="Calibri Light" panose="020F0302020204030204" pitchFamily="34" charset="0"/>
-              </a:rPr>
-              <a:t>&gt;</a:t>
-            </a:r>
-          </a:p>
-          <a:p>
-            <a:pPr marL="0" indent="0">
-              <a:buNone/>
-            </a:pPr>
-            <a:r>
-              <a:rPr lang="en-US" sz="1600" dirty="0">
-                <a:effectLst/>
-                <a:latin typeface="Calibri Light" panose="020F0302020204030204" pitchFamily="34" charset="0"/>
-                <a:cs typeface="Calibri Light" panose="020F0302020204030204" pitchFamily="34" charset="0"/>
-              </a:rPr>
               <a:t>  &lt;Count&gt;</a:t>
             </a:r>
             <a:r>
@@ -13216,18 +13137,16 @@
                 <a:solidFill>
                   <a:srgbClr val="FF0000"/>
                 </a:solidFill>
-                <a:effectLst/>
                 <a:highlight>
                   <a:srgbClr val="FFFF00"/>
                 </a:highlight>
                 <a:latin typeface="Calibri Light" panose="020F0302020204030204" pitchFamily="34" charset="0"/>
                 <a:cs typeface="Calibri Light" panose="020F0302020204030204" pitchFamily="34" charset="0"/>
               </a:rPr>
-              <a:t>41373</a:t>
-            </a:r>
-            <a:r>
-              <a:rPr lang="en-US" sz="1600" dirty="0">
-                <a:effectLst/>
+              <a:t>56746</a:t>
+            </a:r>
+            <a:r>
+              <a:rPr lang="en-US" sz="2400" dirty="0">
                 <a:latin typeface="Calibri Light" panose="020F0302020204030204" pitchFamily="34" charset="0"/>
                 <a:cs typeface="Calibri Light" panose="020F0302020204030204" pitchFamily="34" charset="0"/>
               </a:rPr>
@@ -13239,12 +13158,11 @@
               <a:buNone/>
             </a:pPr>
             <a:r>
-              <a:rPr lang="en-US" sz="1600" dirty="0">
-                <a:effectLst/>
+              <a:rPr lang="en-US" sz="2400" dirty="0">
                 <a:latin typeface="Calibri Light" panose="020F0302020204030204" pitchFamily="34" charset="0"/>
                 <a:cs typeface="Calibri Light" panose="020F0302020204030204" pitchFamily="34" charset="0"/>
               </a:rPr>
-              <a:t>  &lt;Step&gt;1&lt;/Step&gt;</a:t>
+              <a:t>  &lt;Query&gt;diabetes AND pregnancy&lt;/Query&gt;</a:t>
             </a:r>
           </a:p>
           <a:p>
@@ -13252,12 +13170,11 @@
               <a:buNone/>
             </a:pPr>
             <a:r>
-              <a:rPr lang="en-US" sz="1600" dirty="0">
-                <a:effectLst/>
+              <a:rPr lang="en-US" sz="2400" dirty="0">
                 <a:latin typeface="Calibri Light" panose="020F0302020204030204" pitchFamily="34" charset="0"/>
                 <a:cs typeface="Calibri Light" panose="020F0302020204030204" pitchFamily="34" charset="0"/>
               </a:rPr>
-              <a:t>  &lt;Elapsed&gt;1&lt;/Elapsed&gt;</a:t>
+              <a:t>  &lt;Step&gt;1&lt;/Step&gt;</a:t>
             </a:r>
           </a:p>
           <a:p>
@@ -13265,8 +13182,19 @@
               <a:buNone/>
             </a:pPr>
             <a:r>
-              <a:rPr lang="en-US" sz="1600" dirty="0">
-                <a:effectLst/>
+              <a:rPr lang="en-US" sz="2400" dirty="0">
+                <a:latin typeface="Calibri Light" panose="020F0302020204030204" pitchFamily="34" charset="0"/>
+                <a:cs typeface="Calibri Light" panose="020F0302020204030204" pitchFamily="34" charset="0"/>
+              </a:rPr>
+              <a:t>  &lt;Elapsed&gt;2&lt;/Elapsed&gt;</a:t>
+            </a:r>
+          </a:p>
+          <a:p>
+            <a:pPr marL="0" indent="0">
+              <a:buNone/>
+            </a:pPr>
+            <a:r>
+              <a:rPr lang="en-US" sz="2400" dirty="0">
                 <a:latin typeface="Calibri Light" panose="020F0302020204030204" pitchFamily="34" charset="0"/>
                 <a:cs typeface="Calibri Light" panose="020F0302020204030204" pitchFamily="34" charset="0"/>
               </a:rPr>
